--- a/Net/浏览器中的HTTP协议.pptx
+++ b/Net/浏览器中的HTTP协议.pptx
@@ -2669,7 +2669,7 @@
         <a:spcBef>
           <a:spcPts val="1000"/>
         </a:spcBef>
-        <a:buFont typeface="Arial" panose="020B0604020202020204" pitchFamily="34" charset="0"/>
+        <a:buFont typeface="Arial" panose="020B0604020202090204" pitchFamily="34" charset="0"/>
         <a:buChar char="•"/>
         <a:defRPr sz="2800" kern="1200">
           <a:solidFill>
@@ -2687,7 +2687,7 @@
         <a:spcBef>
           <a:spcPts val="500"/>
         </a:spcBef>
-        <a:buFont typeface="Arial" panose="020B0604020202020204" pitchFamily="34" charset="0"/>
+        <a:buFont typeface="Arial" panose="020B0604020202090204" pitchFamily="34" charset="0"/>
         <a:buChar char="•"/>
         <a:defRPr sz="2400" kern="1200">
           <a:solidFill>
@@ -2705,7 +2705,7 @@
         <a:spcBef>
           <a:spcPts val="500"/>
         </a:spcBef>
-        <a:buFont typeface="Arial" panose="020B0604020202020204" pitchFamily="34" charset="0"/>
+        <a:buFont typeface="Arial" panose="020B0604020202090204" pitchFamily="34" charset="0"/>
         <a:buChar char="•"/>
         <a:defRPr sz="2000" kern="1200">
           <a:solidFill>
@@ -2723,7 +2723,7 @@
         <a:spcBef>
           <a:spcPts val="500"/>
         </a:spcBef>
-        <a:buFont typeface="Arial" panose="020B0604020202020204" pitchFamily="34" charset="0"/>
+        <a:buFont typeface="Arial" panose="020B0604020202090204" pitchFamily="34" charset="0"/>
         <a:buChar char="•"/>
         <a:defRPr sz="1800" kern="1200">
           <a:solidFill>
@@ -2741,7 +2741,7 @@
         <a:spcBef>
           <a:spcPts val="500"/>
         </a:spcBef>
-        <a:buFont typeface="Arial" panose="020B0604020202020204" pitchFamily="34" charset="0"/>
+        <a:buFont typeface="Arial" panose="020B0604020202090204" pitchFamily="34" charset="0"/>
         <a:buChar char="•"/>
         <a:defRPr sz="1800" kern="1200">
           <a:solidFill>
@@ -2759,7 +2759,7 @@
         <a:spcBef>
           <a:spcPts val="500"/>
         </a:spcBef>
-        <a:buFont typeface="Arial" panose="020B0604020202020204" pitchFamily="34" charset="0"/>
+        <a:buFont typeface="Arial" panose="020B0604020202090204" pitchFamily="34" charset="0"/>
         <a:buChar char="•"/>
         <a:defRPr sz="1800" kern="1200">
           <a:solidFill>
@@ -2777,7 +2777,7 @@
         <a:spcBef>
           <a:spcPts val="500"/>
         </a:spcBef>
-        <a:buFont typeface="Arial" panose="020B0604020202020204" pitchFamily="34" charset="0"/>
+        <a:buFont typeface="Arial" panose="020B0604020202090204" pitchFamily="34" charset="0"/>
         <a:buChar char="•"/>
         <a:defRPr sz="1800" kern="1200">
           <a:solidFill>
@@ -2795,7 +2795,7 @@
         <a:spcBef>
           <a:spcPts val="500"/>
         </a:spcBef>
-        <a:buFont typeface="Arial" panose="020B0604020202020204" pitchFamily="34" charset="0"/>
+        <a:buFont typeface="Arial" panose="020B0604020202090204" pitchFamily="34" charset="0"/>
         <a:buChar char="•"/>
         <a:defRPr sz="1800" kern="1200">
           <a:solidFill>
@@ -2813,7 +2813,7 @@
         <a:spcBef>
           <a:spcPts val="500"/>
         </a:spcBef>
-        <a:buFont typeface="Arial" panose="020B0604020202020204" pitchFamily="34" charset="0"/>
+        <a:buFont typeface="Arial" panose="020B0604020202090204" pitchFamily="34" charset="0"/>
         <a:buChar char="•"/>
         <a:defRPr sz="1800" kern="1200">
           <a:solidFill>
@@ -2958,11 +2958,7 @@
             <a:pPr algn="ctr"/>
             <a:r>
               <a:rPr lang="zh-CN" altLang="en-US" sz="6000"/>
-              <a:t>浏览器中</a:t>
-            </a:r>
-            <a:r>
-              <a:rPr lang="zh-CN" altLang="en-US" sz="6000"/>
-              <a:t>的</a:t>
+              <a:t>浏览器中的</a:t>
             </a:r>
             <a:r>
               <a:rPr lang="en-US" altLang="zh-CN" sz="6000"/>
@@ -3440,11 +3436,7 @@
           <a:p>
             <a:r>
               <a:rPr lang="zh-CN" altLang="en-US" sz="2800"/>
-              <a:t>都需要去服务器端对比</a:t>
-            </a:r>
-            <a:r>
-              <a:rPr lang="zh-CN" altLang="en-US" sz="2800"/>
-              <a:t>验证</a:t>
+              <a:t>都需要去服务器端对比验证</a:t>
             </a:r>
             <a:endParaRPr lang="zh-CN" altLang="en-US" sz="2800"/>
           </a:p>
@@ -4701,11 +4693,7 @@
           <a:p>
             <a:r>
               <a:rPr lang="zh-CN" altLang="en-US" sz="2800"/>
-              <a:t>上面是没有</a:t>
-            </a:r>
-            <a:r>
-              <a:rPr lang="zh-CN" altLang="en-US" sz="2800"/>
-              <a:t>关闭的，下面是关闭的</a:t>
+              <a:t>上面是没有关闭的，下面是关闭的</a:t>
             </a:r>
             <a:endParaRPr lang="zh-CN" altLang="en-US" sz="2800"/>
           </a:p>
@@ -5089,13 +5077,7 @@
               <a:rPr lang="zh-CN" altLang="en-US" sz="2800">
                 <a:sym typeface="+mn-ea"/>
               </a:rPr>
-              <a:t>外链资源的</a:t>
-            </a:r>
-            <a:r>
-              <a:rPr lang="zh-CN" altLang="en-US" sz="2800">
-                <a:sym typeface="+mn-ea"/>
-              </a:rPr>
-              <a:t>限制</a:t>
+              <a:t>外链资源的限制</a:t>
             </a:r>
             <a:endParaRPr lang="zh-CN" altLang="en-US" sz="2800">
               <a:sym typeface="+mn-ea"/>
@@ -5963,11 +5945,7 @@
             </a:r>
             <a:r>
               <a:rPr lang="zh-CN" altLang="en-US" sz="2000"/>
-              <a:t>服务器限制特定的</a:t>
-            </a:r>
-            <a:r>
-              <a:rPr lang="zh-CN" altLang="en-US" sz="2000"/>
-              <a:t>请求地址</a:t>
+              <a:t>服务器限制特定的请求地址</a:t>
             </a:r>
             <a:endParaRPr lang="zh-CN" altLang="en-US" sz="2000"/>
           </a:p>
@@ -6295,11 +6273,7 @@
           <a:p>
             <a:r>
               <a:rPr lang="en-US" altLang="zh-CN" sz="2400"/>
-              <a:t>fn({name:'jiaj</a:t>
-            </a:r>
-            <a:r>
-              <a:rPr lang="en-US" altLang="zh-CN" sz="2400"/>
-              <a:t>un',age:18})</a:t>
+              <a:t>fn({name:'jiajun',age:18})</a:t>
             </a:r>
             <a:endParaRPr lang="en-US" altLang="zh-CN" sz="2400"/>
           </a:p>
@@ -6621,11 +6595,7 @@
             </a:r>
             <a:r>
               <a:rPr lang="zh-CN" altLang="en-US" sz="2800"/>
-              <a:t>限制缓存（不经服务器验证</a:t>
-            </a:r>
-            <a:r>
-              <a:rPr lang="zh-CN" altLang="en-US" sz="2800"/>
-              <a:t>）</a:t>
+              <a:t>限制缓存（不经服务器验证）</a:t>
             </a:r>
             <a:endParaRPr lang="zh-CN" altLang="en-US" sz="2800"/>
           </a:p>
